--- a/Ideathon.pptx
+++ b/Ideathon.pptx
@@ -904,7 +904,7 @@
   <p:cSld>
     <p:spTree>
       <p:nvGrpSpPr>
-        <p:cNvPr id="66" name="Shape 66"/>
+        <p:cNvPr id="68" name="Shape 68"/>
         <p:cNvGrpSpPr/>
         <p:nvPr/>
       </p:nvGrpSpPr>
@@ -918,7 +918,7 @@
       </p:grpSpPr>
       <p:sp>
         <p:nvSpPr>
-          <p:cNvPr id="67" name="Google Shape;67;g2a8831825b0_0_60:notes"/>
+          <p:cNvPr id="69" name="Google Shape;69;g2a8831825b0_0_60:notes"/>
           <p:cNvSpPr/>
           <p:nvPr>
             <p:ph idx="2" type="sldImg"/>
@@ -953,7 +953,7 @@
       </p:sp>
       <p:sp>
         <p:nvSpPr>
-          <p:cNvPr id="68" name="Google Shape;68;g2a8831825b0_0_60:notes"/>
+          <p:cNvPr id="70" name="Google Shape;70;g2a8831825b0_0_60:notes"/>
           <p:cNvSpPr txBox="1"/>
           <p:nvPr>
             <p:ph idx="1" type="body"/>
@@ -1003,7 +1003,7 @@
   <p:cSld>
     <p:spTree>
       <p:nvGrpSpPr>
-        <p:cNvPr id="72" name="Shape 72"/>
+        <p:cNvPr id="74" name="Shape 74"/>
         <p:cNvGrpSpPr/>
         <p:nvPr/>
       </p:nvGrpSpPr>
@@ -1017,7 +1017,7 @@
       </p:grpSpPr>
       <p:sp>
         <p:nvSpPr>
-          <p:cNvPr id="73" name="Google Shape;73;g2a8831825b0_0_67:notes"/>
+          <p:cNvPr id="75" name="Google Shape;75;g2a8831825b0_0_67:notes"/>
           <p:cNvSpPr/>
           <p:nvPr>
             <p:ph idx="2" type="sldImg"/>
@@ -1052,7 +1052,7 @@
       </p:sp>
       <p:sp>
         <p:nvSpPr>
-          <p:cNvPr id="74" name="Google Shape;74;g2a8831825b0_0_67:notes"/>
+          <p:cNvPr id="76" name="Google Shape;76;g2a8831825b0_0_67:notes"/>
           <p:cNvSpPr txBox="1"/>
           <p:nvPr>
             <p:ph idx="1" type="body"/>
@@ -1102,7 +1102,7 @@
   <p:cSld>
     <p:spTree>
       <p:nvGrpSpPr>
-        <p:cNvPr id="78" name="Shape 78"/>
+        <p:cNvPr id="80" name="Shape 80"/>
         <p:cNvGrpSpPr/>
         <p:nvPr/>
       </p:nvGrpSpPr>
@@ -1116,7 +1116,7 @@
       </p:grpSpPr>
       <p:sp>
         <p:nvSpPr>
-          <p:cNvPr id="79" name="Google Shape;79;g2a8831825b0_0_72:notes"/>
+          <p:cNvPr id="81" name="Google Shape;81;g2a8831825b0_0_72:notes"/>
           <p:cNvSpPr/>
           <p:nvPr>
             <p:ph idx="2" type="sldImg"/>
@@ -1151,7 +1151,7 @@
       </p:sp>
       <p:sp>
         <p:nvSpPr>
-          <p:cNvPr id="80" name="Google Shape;80;g2a8831825b0_0_72:notes"/>
+          <p:cNvPr id="82" name="Google Shape;82;g2a8831825b0_0_72:notes"/>
           <p:cNvSpPr txBox="1"/>
           <p:nvPr>
             <p:ph idx="1" type="body"/>
@@ -1201,7 +1201,7 @@
   <p:cSld>
     <p:spTree>
       <p:nvGrpSpPr>
-        <p:cNvPr id="84" name="Shape 84"/>
+        <p:cNvPr id="86" name="Shape 86"/>
         <p:cNvGrpSpPr/>
         <p:nvPr/>
       </p:nvGrpSpPr>
@@ -1215,7 +1215,7 @@
       </p:grpSpPr>
       <p:sp>
         <p:nvSpPr>
-          <p:cNvPr id="85" name="Google Shape;85;g2a8831825b0_0_78:notes"/>
+          <p:cNvPr id="87" name="Google Shape;87;g2a8831825b0_0_78:notes"/>
           <p:cNvSpPr/>
           <p:nvPr>
             <p:ph idx="2" type="sldImg"/>
@@ -1250,7 +1250,7 @@
       </p:sp>
       <p:sp>
         <p:nvSpPr>
-          <p:cNvPr id="86" name="Google Shape;86;g2a8831825b0_0_78:notes"/>
+          <p:cNvPr id="88" name="Google Shape;88;g2a8831825b0_0_78:notes"/>
           <p:cNvSpPr txBox="1"/>
           <p:nvPr>
             <p:ph idx="1" type="body"/>
@@ -1300,7 +1300,7 @@
   <p:cSld>
     <p:spTree>
       <p:nvGrpSpPr>
-        <p:cNvPr id="90" name="Shape 90"/>
+        <p:cNvPr id="92" name="Shape 92"/>
         <p:cNvGrpSpPr/>
         <p:nvPr/>
       </p:nvGrpSpPr>
@@ -1314,7 +1314,7 @@
       </p:grpSpPr>
       <p:sp>
         <p:nvSpPr>
-          <p:cNvPr id="91" name="Google Shape;91;g2a8831825b0_0_88:notes"/>
+          <p:cNvPr id="93" name="Google Shape;93;g2a8831825b0_0_88:notes"/>
           <p:cNvSpPr/>
           <p:nvPr>
             <p:ph idx="2" type="sldImg"/>
@@ -1349,7 +1349,7 @@
       </p:sp>
       <p:sp>
         <p:nvSpPr>
-          <p:cNvPr id="92" name="Google Shape;92;g2a8831825b0_0_88:notes"/>
+          <p:cNvPr id="94" name="Google Shape;94;g2a8831825b0_0_88:notes"/>
           <p:cNvSpPr txBox="1"/>
           <p:nvPr>
             <p:ph idx="1" type="body"/>
@@ -1399,7 +1399,7 @@
   <p:cSld>
     <p:spTree>
       <p:nvGrpSpPr>
-        <p:cNvPr id="96" name="Shape 96"/>
+        <p:cNvPr id="98" name="Shape 98"/>
         <p:cNvGrpSpPr/>
         <p:nvPr/>
       </p:nvGrpSpPr>
@@ -1413,7 +1413,7 @@
       </p:grpSpPr>
       <p:sp>
         <p:nvSpPr>
-          <p:cNvPr id="97" name="Google Shape;97;g2a8831825b0_0_83:notes"/>
+          <p:cNvPr id="99" name="Google Shape;99;g2a8831825b0_0_83:notes"/>
           <p:cNvSpPr/>
           <p:nvPr>
             <p:ph idx="2" type="sldImg"/>
@@ -1448,7 +1448,7 @@
       </p:sp>
       <p:sp>
         <p:nvSpPr>
-          <p:cNvPr id="98" name="Google Shape;98;g2a8831825b0_0_83:notes"/>
+          <p:cNvPr id="100" name="Google Shape;100;g2a8831825b0_0_83:notes"/>
           <p:cNvSpPr txBox="1"/>
           <p:nvPr>
             <p:ph idx="1" type="body"/>
@@ -1498,7 +1498,7 @@
   <p:cSld>
     <p:spTree>
       <p:nvGrpSpPr>
-        <p:cNvPr id="102" name="Shape 102"/>
+        <p:cNvPr id="104" name="Shape 104"/>
         <p:cNvGrpSpPr/>
         <p:nvPr/>
       </p:nvGrpSpPr>
@@ -1512,7 +1512,7 @@
       </p:grpSpPr>
       <p:sp>
         <p:nvSpPr>
-          <p:cNvPr id="103" name="Google Shape;103;g522c7fb90ed62463_0:notes"/>
+          <p:cNvPr id="105" name="Google Shape;105;g522c7fb90ed62463_0:notes"/>
           <p:cNvSpPr/>
           <p:nvPr>
             <p:ph idx="2" type="sldImg"/>
@@ -1547,7 +1547,7 @@
       </p:sp>
       <p:sp>
         <p:nvSpPr>
-          <p:cNvPr id="104" name="Google Shape;104;g522c7fb90ed62463_0:notes"/>
+          <p:cNvPr id="106" name="Google Shape;106;g522c7fb90ed62463_0:notes"/>
           <p:cNvSpPr txBox="1"/>
           <p:nvPr>
             <p:ph idx="1" type="body"/>
@@ -6852,7 +6852,7 @@
                   <a:schemeClr val="dk1"/>
                 </a:solidFill>
               </a:rPr>
-              <a:t>I’m sure all of us have been here, especially during Intermediate Schooling. Remember Rotational Motion from Physics? It still stresses me out to even think about JEE Physics. 😵</a:t>
+              <a:t>I’m sure all of us have been here, especially during Intermediate Schooling. Remember Rotational Motion from Physics? It still stresses me out to even think about JEE Physics. </a:t>
             </a:r>
             <a:endParaRPr sz="2200">
               <a:solidFill>
@@ -6889,6 +6889,62 @@
           </a:ln>
         </p:spPr>
       </p:pic>
+      <p:pic>
+        <p:nvPicPr>
+          <p:cNvPr id="66" name="Google Shape;66;p14"/>
+          <p:cNvPicPr preferRelativeResize="0"/>
+          <p:nvPr/>
+        </p:nvPicPr>
+        <p:blipFill>
+          <a:blip r:embed="rId4">
+            <a:alphaModFix/>
+          </a:blip>
+          <a:stretch>
+            <a:fillRect/>
+          </a:stretch>
+        </p:blipFill>
+        <p:spPr>
+          <a:xfrm rot="-292041">
+            <a:off x="563025" y="3963950"/>
+            <a:ext cx="979025" cy="979025"/>
+          </a:xfrm>
+          <a:prstGeom prst="rect">
+            <a:avLst/>
+          </a:prstGeom>
+          <a:noFill/>
+          <a:ln>
+            <a:noFill/>
+          </a:ln>
+        </p:spPr>
+      </p:pic>
+      <p:pic>
+        <p:nvPicPr>
+          <p:cNvPr id="67" name="Google Shape;67;p14"/>
+          <p:cNvPicPr preferRelativeResize="0"/>
+          <p:nvPr/>
+        </p:nvPicPr>
+        <p:blipFill>
+          <a:blip r:embed="rId5">
+            <a:alphaModFix/>
+          </a:blip>
+          <a:stretch>
+            <a:fillRect/>
+          </a:stretch>
+        </p:blipFill>
+        <p:spPr>
+          <a:xfrm rot="599367">
+            <a:off x="3040150" y="3985050"/>
+            <a:ext cx="936825" cy="936825"/>
+          </a:xfrm>
+          <a:prstGeom prst="rect">
+            <a:avLst/>
+          </a:prstGeom>
+          <a:noFill/>
+          <a:ln>
+            <a:noFill/>
+          </a:ln>
+        </p:spPr>
+      </p:pic>
     </p:spTree>
   </p:cSld>
   <p:clrMapOvr>
@@ -6902,7 +6958,7 @@
   <p:cSld>
     <p:spTree>
       <p:nvGrpSpPr>
-        <p:cNvPr id="69" name="Shape 69"/>
+        <p:cNvPr id="71" name="Shape 71"/>
         <p:cNvGrpSpPr/>
         <p:nvPr/>
       </p:nvGrpSpPr>
@@ -6916,7 +6972,7 @@
       </p:grpSpPr>
       <p:sp>
         <p:nvSpPr>
-          <p:cNvPr id="70" name="Google Shape;70;p15"/>
+          <p:cNvPr id="72" name="Google Shape;72;p15"/>
           <p:cNvSpPr txBox="1"/>
           <p:nvPr>
             <p:ph type="title"/>
@@ -6957,7 +7013,7 @@
       </p:sp>
       <p:sp>
         <p:nvSpPr>
-          <p:cNvPr id="71" name="Google Shape;71;p15"/>
+          <p:cNvPr id="73" name="Google Shape;73;p15"/>
           <p:cNvSpPr txBox="1"/>
           <p:nvPr>
             <p:ph idx="1" type="body"/>
@@ -7016,7 +7072,7 @@
   <p:cSld>
     <p:spTree>
       <p:nvGrpSpPr>
-        <p:cNvPr id="75" name="Shape 75"/>
+        <p:cNvPr id="77" name="Shape 77"/>
         <p:cNvGrpSpPr/>
         <p:nvPr/>
       </p:nvGrpSpPr>
@@ -7030,7 +7086,7 @@
       </p:grpSpPr>
       <p:sp>
         <p:nvSpPr>
-          <p:cNvPr id="76" name="Google Shape;76;p16"/>
+          <p:cNvPr id="78" name="Google Shape;78;p16"/>
           <p:cNvSpPr txBox="1"/>
           <p:nvPr>
             <p:ph type="title"/>
@@ -7090,7 +7146,7 @@
       </p:sp>
       <p:sp>
         <p:nvSpPr>
-          <p:cNvPr id="77" name="Google Shape;77;p16"/>
+          <p:cNvPr id="79" name="Google Shape;79;p16"/>
           <p:cNvSpPr txBox="1"/>
           <p:nvPr>
             <p:ph idx="1" type="body"/>
@@ -7149,7 +7205,7 @@
   <p:cSld>
     <p:spTree>
       <p:nvGrpSpPr>
-        <p:cNvPr id="81" name="Shape 81"/>
+        <p:cNvPr id="83" name="Shape 83"/>
         <p:cNvGrpSpPr/>
         <p:nvPr/>
       </p:nvGrpSpPr>
@@ -7163,7 +7219,7 @@
       </p:grpSpPr>
       <p:sp>
         <p:nvSpPr>
-          <p:cNvPr id="82" name="Google Shape;82;p17"/>
+          <p:cNvPr id="84" name="Google Shape;84;p17"/>
           <p:cNvSpPr txBox="1"/>
           <p:nvPr>
             <p:ph type="title"/>
@@ -7204,7 +7260,7 @@
       </p:sp>
       <p:sp>
         <p:nvSpPr>
-          <p:cNvPr id="83" name="Google Shape;83;p17"/>
+          <p:cNvPr id="85" name="Google Shape;85;p17"/>
           <p:cNvSpPr txBox="1"/>
           <p:nvPr>
             <p:ph idx="1" type="body"/>
@@ -7403,7 +7459,7 @@
   <p:cSld>
     <p:spTree>
       <p:nvGrpSpPr>
-        <p:cNvPr id="87" name="Shape 87"/>
+        <p:cNvPr id="89" name="Shape 89"/>
         <p:cNvGrpSpPr/>
         <p:nvPr/>
       </p:nvGrpSpPr>
@@ -7417,7 +7473,7 @@
       </p:grpSpPr>
       <p:sp>
         <p:nvSpPr>
-          <p:cNvPr id="88" name="Google Shape;88;p18"/>
+          <p:cNvPr id="90" name="Google Shape;90;p18"/>
           <p:cNvSpPr txBox="1"/>
           <p:nvPr>
             <p:ph type="title"/>
@@ -7462,7 +7518,7 @@
       </p:sp>
       <p:sp>
         <p:nvSpPr>
-          <p:cNvPr id="89" name="Google Shape;89;p18"/>
+          <p:cNvPr id="91" name="Google Shape;91;p18"/>
           <p:cNvSpPr txBox="1"/>
           <p:nvPr>
             <p:ph idx="1" type="body"/>
@@ -7669,7 +7725,7 @@
   <p:cSld>
     <p:spTree>
       <p:nvGrpSpPr>
-        <p:cNvPr id="93" name="Shape 93"/>
+        <p:cNvPr id="95" name="Shape 95"/>
         <p:cNvGrpSpPr/>
         <p:nvPr/>
       </p:nvGrpSpPr>
@@ -7683,7 +7739,7 @@
       </p:grpSpPr>
       <p:sp>
         <p:nvSpPr>
-          <p:cNvPr id="94" name="Google Shape;94;p19"/>
+          <p:cNvPr id="96" name="Google Shape;96;p19"/>
           <p:cNvSpPr txBox="1"/>
           <p:nvPr>
             <p:ph type="title"/>
@@ -7728,7 +7784,7 @@
       </p:sp>
       <p:sp>
         <p:nvSpPr>
-          <p:cNvPr id="95" name="Google Shape;95;p19"/>
+          <p:cNvPr id="97" name="Google Shape;97;p19"/>
           <p:cNvSpPr txBox="1"/>
           <p:nvPr>
             <p:ph idx="1" type="body"/>
@@ -7931,7 +7987,7 @@
   <p:cSld>
     <p:spTree>
       <p:nvGrpSpPr>
-        <p:cNvPr id="99" name="Shape 99"/>
+        <p:cNvPr id="101" name="Shape 101"/>
         <p:cNvGrpSpPr/>
         <p:nvPr/>
       </p:nvGrpSpPr>
@@ -7945,7 +8001,7 @@
       </p:grpSpPr>
       <p:sp>
         <p:nvSpPr>
-          <p:cNvPr id="100" name="Google Shape;100;p20"/>
+          <p:cNvPr id="102" name="Google Shape;102;p20"/>
           <p:cNvSpPr txBox="1"/>
           <p:nvPr>
             <p:ph type="title"/>
@@ -7990,7 +8046,7 @@
       </p:sp>
       <p:sp>
         <p:nvSpPr>
-          <p:cNvPr id="101" name="Google Shape;101;p20"/>
+          <p:cNvPr id="103" name="Google Shape;103;p20"/>
           <p:cNvSpPr txBox="1"/>
           <p:nvPr>
             <p:ph idx="1" type="body"/>
@@ -8137,7 +8193,7 @@
   <p:cSld>
     <p:spTree>
       <p:nvGrpSpPr>
-        <p:cNvPr id="105" name="Shape 105"/>
+        <p:cNvPr id="107" name="Shape 107"/>
         <p:cNvGrpSpPr/>
         <p:nvPr/>
       </p:nvGrpSpPr>
@@ -8151,7 +8207,7 @@
       </p:grpSpPr>
       <p:sp>
         <p:nvSpPr>
-          <p:cNvPr id="106" name="Google Shape;106;p21"/>
+          <p:cNvPr id="108" name="Google Shape;108;p21"/>
           <p:cNvSpPr txBox="1"/>
           <p:nvPr>
             <p:ph type="title"/>
@@ -8191,7 +8247,7 @@
       </p:sp>
       <p:sp>
         <p:nvSpPr>
-          <p:cNvPr id="107" name="Google Shape;107;p21"/>
+          <p:cNvPr id="109" name="Google Shape;109;p21"/>
           <p:cNvSpPr txBox="1"/>
           <p:nvPr/>
         </p:nvSpPr>
@@ -8248,6 +8304,285 @@
 </file>
 
 <file path=ppt/theme/theme1.xml><?xml version="1.0" encoding="utf-8"?>
+<a:theme xmlns:a="http://schemas.openxmlformats.org/drawingml/2006/main" xmlns:r="http://schemas.openxmlformats.org/officeDocument/2006/relationships" name="Simple Dark">
+  <a:themeElements>
+    <a:clrScheme name="Simple Dark">
+      <a:dk1>
+        <a:srgbClr val="FFFFFF"/>
+      </a:dk1>
+      <a:lt1>
+        <a:srgbClr val="212121"/>
+      </a:lt1>
+      <a:dk2>
+        <a:srgbClr val="303030"/>
+      </a:dk2>
+      <a:lt2>
+        <a:srgbClr val="ADADAD"/>
+      </a:lt2>
+      <a:accent1>
+        <a:srgbClr val="009688"/>
+      </a:accent1>
+      <a:accent2>
+        <a:srgbClr val="EEEEEE"/>
+      </a:accent2>
+      <a:accent3>
+        <a:srgbClr val="78909C"/>
+      </a:accent3>
+      <a:accent4>
+        <a:srgbClr val="FFAB40"/>
+      </a:accent4>
+      <a:accent5>
+        <a:srgbClr val="4DD0E1"/>
+      </a:accent5>
+      <a:accent6>
+        <a:srgbClr val="EEFF41"/>
+      </a:accent6>
+      <a:hlink>
+        <a:srgbClr val="4DD0E1"/>
+      </a:hlink>
+      <a:folHlink>
+        <a:srgbClr val="4DD0E1"/>
+      </a:folHlink>
+    </a:clrScheme>
+    <a:fontScheme name="Office">
+      <a:majorFont>
+        <a:latin typeface="Arial"/>
+        <a:ea typeface=""/>
+        <a:cs typeface=""/>
+        <a:font script="Jpan" typeface="ＭＳ Ｐゴシック"/>
+        <a:font script="Hang" typeface="맑은 고딕"/>
+        <a:font script="Hans" typeface="宋体"/>
+        <a:font script="Hant" typeface="新細明體"/>
+        <a:font script="Arab" typeface="Times New Roman"/>
+        <a:font script="Hebr" typeface="Times New Roman"/>
+        <a:font script="Thai" typeface="Angsana New"/>
+        <a:font script="Ethi" typeface="Nyala"/>
+        <a:font script="Beng" typeface="Vrinda"/>
+        <a:font script="Gujr" typeface="Shruti"/>
+        <a:font script="Khmr" typeface="MoolBoran"/>
+        <a:font script="Knda" typeface="Tunga"/>
+        <a:font script="Guru" typeface="Raavi"/>
+        <a:font script="Cans" typeface="Euphemia"/>
+        <a:font script="Cher" typeface="Plantagenet Cherokee"/>
+        <a:font script="Yiii" typeface="Microsoft Yi Baiti"/>
+        <a:font script="Tibt" typeface="Microsoft Himalaya"/>
+        <a:font script="Thaa" typeface="MV Boli"/>
+        <a:font script="Deva" typeface="Mangal"/>
+        <a:font script="Telu" typeface="Gautami"/>
+        <a:font script="Taml" typeface="Latha"/>
+        <a:font script="Syrc" typeface="Estrangelo Edessa"/>
+        <a:font script="Orya" typeface="Kalinga"/>
+        <a:font script="Mlym" typeface="Kartika"/>
+        <a:font script="Laoo" typeface="DokChampa"/>
+        <a:font script="Sinh" typeface="Iskoola Pota"/>
+        <a:font script="Mong" typeface="Mongolian Baiti"/>
+        <a:font script="Viet" typeface="Times New Roman"/>
+        <a:font script="Uigh" typeface="Microsoft Uighur"/>
+        <a:font script="Geor" typeface="Sylfaen"/>
+      </a:majorFont>
+      <a:minorFont>
+        <a:latin typeface="Arial"/>
+        <a:ea typeface=""/>
+        <a:cs typeface=""/>
+        <a:font script="Jpan" typeface="ＭＳ Ｐゴシック"/>
+        <a:font script="Hang" typeface="맑은 고딕"/>
+        <a:font script="Hans" typeface="宋体"/>
+        <a:font script="Hant" typeface="新細明體"/>
+        <a:font script="Arab" typeface="Arial"/>
+        <a:font script="Hebr" typeface="Arial"/>
+        <a:font script="Thai" typeface="Cordia New"/>
+        <a:font script="Ethi" typeface="Nyala"/>
+        <a:font script="Beng" typeface="Vrinda"/>
+        <a:font script="Gujr" typeface="Shruti"/>
+        <a:font script="Khmr" typeface="DaunPenh"/>
+        <a:font script="Knda" typeface="Tunga"/>
+        <a:font script="Guru" typeface="Raavi"/>
+        <a:font script="Cans" typeface="Euphemia"/>
+        <a:font script="Cher" typeface="Plantagenet Cherokee"/>
+        <a:font script="Yiii" typeface="Microsoft Yi Baiti"/>
+        <a:font script="Tibt" typeface="Microsoft Himalaya"/>
+        <a:font script="Thaa" typeface="MV Boli"/>
+        <a:font script="Deva" typeface="Mangal"/>
+        <a:font script="Telu" typeface="Gautami"/>
+        <a:font script="Taml" typeface="Latha"/>
+        <a:font script="Syrc" typeface="Estrangelo Edessa"/>
+        <a:font script="Orya" typeface="Kalinga"/>
+        <a:font script="Mlym" typeface="Kartika"/>
+        <a:font script="Laoo" typeface="DokChampa"/>
+        <a:font script="Sinh" typeface="Iskoola Pota"/>
+        <a:font script="Mong" typeface="Mongolian Baiti"/>
+        <a:font script="Viet" typeface="Arial"/>
+        <a:font script="Uigh" typeface="Microsoft Uighur"/>
+        <a:font script="Geor" typeface="Sylfaen"/>
+      </a:minorFont>
+    </a:fontScheme>
+    <a:fmtScheme name="Office">
+      <a:fillStyleLst>
+        <a:solidFill>
+          <a:schemeClr val="phClr"/>
+        </a:solidFill>
+        <a:gradFill rotWithShape="1">
+          <a:gsLst>
+            <a:gs pos="0">
+              <a:schemeClr val="phClr">
+                <a:tint val="50000"/>
+                <a:satMod val="300000"/>
+              </a:schemeClr>
+            </a:gs>
+            <a:gs pos="35000">
+              <a:schemeClr val="phClr">
+                <a:tint val="37000"/>
+                <a:satMod val="300000"/>
+              </a:schemeClr>
+            </a:gs>
+            <a:gs pos="100000">
+              <a:schemeClr val="phClr">
+                <a:tint val="15000"/>
+                <a:satMod val="350000"/>
+              </a:schemeClr>
+            </a:gs>
+          </a:gsLst>
+          <a:lin ang="16200000" scaled="1"/>
+        </a:gradFill>
+        <a:gradFill rotWithShape="1">
+          <a:gsLst>
+            <a:gs pos="0">
+              <a:schemeClr val="phClr">
+                <a:tint val="100000"/>
+                <a:shade val="100000"/>
+                <a:satMod val="130000"/>
+              </a:schemeClr>
+            </a:gs>
+            <a:gs pos="100000">
+              <a:schemeClr val="phClr">
+                <a:tint val="50000"/>
+                <a:shade val="100000"/>
+                <a:satMod val="350000"/>
+              </a:schemeClr>
+            </a:gs>
+          </a:gsLst>
+          <a:lin ang="16200000" scaled="0"/>
+        </a:gradFill>
+      </a:fillStyleLst>
+      <a:lnStyleLst>
+        <a:ln w="9525" cap="flat" cmpd="sng" algn="ctr">
+          <a:solidFill>
+            <a:schemeClr val="phClr">
+              <a:shade val="95000"/>
+              <a:satMod val="105000"/>
+            </a:schemeClr>
+          </a:solidFill>
+          <a:prstDash val="solid"/>
+        </a:ln>
+        <a:ln w="25400" cap="flat" cmpd="sng" algn="ctr">
+          <a:solidFill>
+            <a:schemeClr val="phClr"/>
+          </a:solidFill>
+          <a:prstDash val="solid"/>
+        </a:ln>
+        <a:ln w="38100" cap="flat" cmpd="sng" algn="ctr">
+          <a:solidFill>
+            <a:schemeClr val="phClr"/>
+          </a:solidFill>
+          <a:prstDash val="solid"/>
+        </a:ln>
+      </a:lnStyleLst>
+      <a:effectStyleLst>
+        <a:effectStyle>
+          <a:effectLst>
+            <a:outerShdw blurRad="40000" dist="20000" dir="5400000" rotWithShape="0">
+              <a:srgbClr val="000000">
+                <a:alpha val="38000"/>
+              </a:srgbClr>
+            </a:outerShdw>
+          </a:effectLst>
+        </a:effectStyle>
+        <a:effectStyle>
+          <a:effectLst>
+            <a:outerShdw blurRad="40000" dist="23000" dir="5400000" rotWithShape="0">
+              <a:srgbClr val="000000">
+                <a:alpha val="35000"/>
+              </a:srgbClr>
+            </a:outerShdw>
+          </a:effectLst>
+        </a:effectStyle>
+        <a:effectStyle>
+          <a:effectLst>
+            <a:outerShdw blurRad="40000" dist="23000" dir="5400000" rotWithShape="0">
+              <a:srgbClr val="000000">
+                <a:alpha val="35000"/>
+              </a:srgbClr>
+            </a:outerShdw>
+          </a:effectLst>
+          <a:scene3d>
+            <a:camera prst="orthographicFront">
+              <a:rot lat="0" lon="0" rev="0"/>
+            </a:camera>
+            <a:lightRig rig="threePt" dir="t">
+              <a:rot lat="0" lon="0" rev="1200000"/>
+            </a:lightRig>
+          </a:scene3d>
+          <a:sp3d>
+            <a:bevelT w="63500" h="25400"/>
+          </a:sp3d>
+        </a:effectStyle>
+      </a:effectStyleLst>
+      <a:bgFillStyleLst>
+        <a:solidFill>
+          <a:schemeClr val="phClr"/>
+        </a:solidFill>
+        <a:gradFill rotWithShape="1">
+          <a:gsLst>
+            <a:gs pos="0">
+              <a:schemeClr val="phClr">
+                <a:tint val="40000"/>
+                <a:satMod val="350000"/>
+              </a:schemeClr>
+            </a:gs>
+            <a:gs pos="40000">
+              <a:schemeClr val="phClr">
+                <a:tint val="45000"/>
+                <a:shade val="99000"/>
+                <a:satMod val="350000"/>
+              </a:schemeClr>
+            </a:gs>
+            <a:gs pos="100000">
+              <a:schemeClr val="phClr">
+                <a:shade val="20000"/>
+                <a:satMod val="255000"/>
+              </a:schemeClr>
+            </a:gs>
+          </a:gsLst>
+          <a:path path="circle">
+            <a:fillToRect l="50000" t="-80000" r="50000" b="180000"/>
+          </a:path>
+        </a:gradFill>
+        <a:gradFill rotWithShape="1">
+          <a:gsLst>
+            <a:gs pos="0">
+              <a:schemeClr val="phClr">
+                <a:tint val="80000"/>
+                <a:satMod val="300000"/>
+              </a:schemeClr>
+            </a:gs>
+            <a:gs pos="100000">
+              <a:schemeClr val="phClr">
+                <a:shade val="30000"/>
+                <a:satMod val="200000"/>
+              </a:schemeClr>
+            </a:gs>
+          </a:gsLst>
+          <a:path path="circle">
+            <a:fillToRect l="50000" t="50000" r="50000" b="50000"/>
+          </a:path>
+        </a:gradFill>
+      </a:bgFillStyleLst>
+    </a:fmtScheme>
+  </a:themeElements>
+</a:theme>
+</file>
+
+<file path=ppt/theme/theme2.xml><?xml version="1.0" encoding="utf-8"?>
 <a:theme xmlns:a="http://schemas.openxmlformats.org/drawingml/2006/main" xmlns:r="http://schemas.openxmlformats.org/officeDocument/2006/relationships">
   <a:themeElements>
     <a:clrScheme name="Default">
@@ -8524,283 +8859,4 @@
     </a:fmtScheme>
   </a:themeElements>
 </a:theme>
-</file>
-
-<file path=ppt/theme/theme2.xml><?xml version="1.0" encoding="utf-8"?>
-<a:theme xmlns:a="http://schemas.openxmlformats.org/drawingml/2006/main" xmlns:r="http://schemas.openxmlformats.org/officeDocument/2006/relationships" name="Simple Dark">
-  <a:themeElements>
-    <a:clrScheme name="Simple Dark">
-      <a:dk1>
-        <a:srgbClr val="FFFFFF"/>
-      </a:dk1>
-      <a:lt1>
-        <a:srgbClr val="212121"/>
-      </a:lt1>
-      <a:dk2>
-        <a:srgbClr val="303030"/>
-      </a:dk2>
-      <a:lt2>
-        <a:srgbClr val="ADADAD"/>
-      </a:lt2>
-      <a:accent1>
-        <a:srgbClr val="009688"/>
-      </a:accent1>
-      <a:accent2>
-        <a:srgbClr val="EEEEEE"/>
-      </a:accent2>
-      <a:accent3>
-        <a:srgbClr val="78909C"/>
-      </a:accent3>
-      <a:accent4>
-        <a:srgbClr val="FFAB40"/>
-      </a:accent4>
-      <a:accent5>
-        <a:srgbClr val="4DD0E1"/>
-      </a:accent5>
-      <a:accent6>
-        <a:srgbClr val="EEFF41"/>
-      </a:accent6>
-      <a:hlink>
-        <a:srgbClr val="4DD0E1"/>
-      </a:hlink>
-      <a:folHlink>
-        <a:srgbClr val="4DD0E1"/>
-      </a:folHlink>
-    </a:clrScheme>
-    <a:fontScheme name="Office">
-      <a:majorFont>
-        <a:latin typeface="Arial"/>
-        <a:ea typeface=""/>
-        <a:cs typeface=""/>
-        <a:font script="Jpan" typeface="ＭＳ Ｐゴシック"/>
-        <a:font script="Hang" typeface="맑은 고딕"/>
-        <a:font script="Hans" typeface="宋体"/>
-        <a:font script="Hant" typeface="新細明體"/>
-        <a:font script="Arab" typeface="Times New Roman"/>
-        <a:font script="Hebr" typeface="Times New Roman"/>
-        <a:font script="Thai" typeface="Angsana New"/>
-        <a:font script="Ethi" typeface="Nyala"/>
-        <a:font script="Beng" typeface="Vrinda"/>
-        <a:font script="Gujr" typeface="Shruti"/>
-        <a:font script="Khmr" typeface="MoolBoran"/>
-        <a:font script="Knda" typeface="Tunga"/>
-        <a:font script="Guru" typeface="Raavi"/>
-        <a:font script="Cans" typeface="Euphemia"/>
-        <a:font script="Cher" typeface="Plantagenet Cherokee"/>
-        <a:font script="Yiii" typeface="Microsoft Yi Baiti"/>
-        <a:font script="Tibt" typeface="Microsoft Himalaya"/>
-        <a:font script="Thaa" typeface="MV Boli"/>
-        <a:font script="Deva" typeface="Mangal"/>
-        <a:font script="Telu" typeface="Gautami"/>
-        <a:font script="Taml" typeface="Latha"/>
-        <a:font script="Syrc" typeface="Estrangelo Edessa"/>
-        <a:font script="Orya" typeface="Kalinga"/>
-        <a:font script="Mlym" typeface="Kartika"/>
-        <a:font script="Laoo" typeface="DokChampa"/>
-        <a:font script="Sinh" typeface="Iskoola Pota"/>
-        <a:font script="Mong" typeface="Mongolian Baiti"/>
-        <a:font script="Viet" typeface="Times New Roman"/>
-        <a:font script="Uigh" typeface="Microsoft Uighur"/>
-        <a:font script="Geor" typeface="Sylfaen"/>
-      </a:majorFont>
-      <a:minorFont>
-        <a:latin typeface="Arial"/>
-        <a:ea typeface=""/>
-        <a:cs typeface=""/>
-        <a:font script="Jpan" typeface="ＭＳ Ｐゴシック"/>
-        <a:font script="Hang" typeface="맑은 고딕"/>
-        <a:font script="Hans" typeface="宋体"/>
-        <a:font script="Hant" typeface="新細明體"/>
-        <a:font script="Arab" typeface="Arial"/>
-        <a:font script="Hebr" typeface="Arial"/>
-        <a:font script="Thai" typeface="Cordia New"/>
-        <a:font script="Ethi" typeface="Nyala"/>
-        <a:font script="Beng" typeface="Vrinda"/>
-        <a:font script="Gujr" typeface="Shruti"/>
-        <a:font script="Khmr" typeface="DaunPenh"/>
-        <a:font script="Knda" typeface="Tunga"/>
-        <a:font script="Guru" typeface="Raavi"/>
-        <a:font script="Cans" typeface="Euphemia"/>
-        <a:font script="Cher" typeface="Plantagenet Cherokee"/>
-        <a:font script="Yiii" typeface="Microsoft Yi Baiti"/>
-        <a:font script="Tibt" typeface="Microsoft Himalaya"/>
-        <a:font script="Thaa" typeface="MV Boli"/>
-        <a:font script="Deva" typeface="Mangal"/>
-        <a:font script="Telu" typeface="Gautami"/>
-        <a:font script="Taml" typeface="Latha"/>
-        <a:font script="Syrc" typeface="Estrangelo Edessa"/>
-        <a:font script="Orya" typeface="Kalinga"/>
-        <a:font script="Mlym" typeface="Kartika"/>
-        <a:font script="Laoo" typeface="DokChampa"/>
-        <a:font script="Sinh" typeface="Iskoola Pota"/>
-        <a:font script="Mong" typeface="Mongolian Baiti"/>
-        <a:font script="Viet" typeface="Arial"/>
-        <a:font script="Uigh" typeface="Microsoft Uighur"/>
-        <a:font script="Geor" typeface="Sylfaen"/>
-      </a:minorFont>
-    </a:fontScheme>
-    <a:fmtScheme name="Office">
-      <a:fillStyleLst>
-        <a:solidFill>
-          <a:schemeClr val="phClr"/>
-        </a:solidFill>
-        <a:gradFill rotWithShape="1">
-          <a:gsLst>
-            <a:gs pos="0">
-              <a:schemeClr val="phClr">
-                <a:tint val="50000"/>
-                <a:satMod val="300000"/>
-              </a:schemeClr>
-            </a:gs>
-            <a:gs pos="35000">
-              <a:schemeClr val="phClr">
-                <a:tint val="37000"/>
-                <a:satMod val="300000"/>
-              </a:schemeClr>
-            </a:gs>
-            <a:gs pos="100000">
-              <a:schemeClr val="phClr">
-                <a:tint val="15000"/>
-                <a:satMod val="350000"/>
-              </a:schemeClr>
-            </a:gs>
-          </a:gsLst>
-          <a:lin ang="16200000" scaled="1"/>
-        </a:gradFill>
-        <a:gradFill rotWithShape="1">
-          <a:gsLst>
-            <a:gs pos="0">
-              <a:schemeClr val="phClr">
-                <a:tint val="100000"/>
-                <a:shade val="100000"/>
-                <a:satMod val="130000"/>
-              </a:schemeClr>
-            </a:gs>
-            <a:gs pos="100000">
-              <a:schemeClr val="phClr">
-                <a:tint val="50000"/>
-                <a:shade val="100000"/>
-                <a:satMod val="350000"/>
-              </a:schemeClr>
-            </a:gs>
-          </a:gsLst>
-          <a:lin ang="16200000" scaled="0"/>
-        </a:gradFill>
-      </a:fillStyleLst>
-      <a:lnStyleLst>
-        <a:ln w="9525" cap="flat" cmpd="sng" algn="ctr">
-          <a:solidFill>
-            <a:schemeClr val="phClr">
-              <a:shade val="95000"/>
-              <a:satMod val="105000"/>
-            </a:schemeClr>
-          </a:solidFill>
-          <a:prstDash val="solid"/>
-        </a:ln>
-        <a:ln w="25400" cap="flat" cmpd="sng" algn="ctr">
-          <a:solidFill>
-            <a:schemeClr val="phClr"/>
-          </a:solidFill>
-          <a:prstDash val="solid"/>
-        </a:ln>
-        <a:ln w="38100" cap="flat" cmpd="sng" algn="ctr">
-          <a:solidFill>
-            <a:schemeClr val="phClr"/>
-          </a:solidFill>
-          <a:prstDash val="solid"/>
-        </a:ln>
-      </a:lnStyleLst>
-      <a:effectStyleLst>
-        <a:effectStyle>
-          <a:effectLst>
-            <a:outerShdw blurRad="40000" dist="20000" dir="5400000" rotWithShape="0">
-              <a:srgbClr val="000000">
-                <a:alpha val="38000"/>
-              </a:srgbClr>
-            </a:outerShdw>
-          </a:effectLst>
-        </a:effectStyle>
-        <a:effectStyle>
-          <a:effectLst>
-            <a:outerShdw blurRad="40000" dist="23000" dir="5400000" rotWithShape="0">
-              <a:srgbClr val="000000">
-                <a:alpha val="35000"/>
-              </a:srgbClr>
-            </a:outerShdw>
-          </a:effectLst>
-        </a:effectStyle>
-        <a:effectStyle>
-          <a:effectLst>
-            <a:outerShdw blurRad="40000" dist="23000" dir="5400000" rotWithShape="0">
-              <a:srgbClr val="000000">
-                <a:alpha val="35000"/>
-              </a:srgbClr>
-            </a:outerShdw>
-          </a:effectLst>
-          <a:scene3d>
-            <a:camera prst="orthographicFront">
-              <a:rot lat="0" lon="0" rev="0"/>
-            </a:camera>
-            <a:lightRig rig="threePt" dir="t">
-              <a:rot lat="0" lon="0" rev="1200000"/>
-            </a:lightRig>
-          </a:scene3d>
-          <a:sp3d>
-            <a:bevelT w="63500" h="25400"/>
-          </a:sp3d>
-        </a:effectStyle>
-      </a:effectStyleLst>
-      <a:bgFillStyleLst>
-        <a:solidFill>
-          <a:schemeClr val="phClr"/>
-        </a:solidFill>
-        <a:gradFill rotWithShape="1">
-          <a:gsLst>
-            <a:gs pos="0">
-              <a:schemeClr val="phClr">
-                <a:tint val="40000"/>
-                <a:satMod val="350000"/>
-              </a:schemeClr>
-            </a:gs>
-            <a:gs pos="40000">
-              <a:schemeClr val="phClr">
-                <a:tint val="45000"/>
-                <a:shade val="99000"/>
-                <a:satMod val="350000"/>
-              </a:schemeClr>
-            </a:gs>
-            <a:gs pos="100000">
-              <a:schemeClr val="phClr">
-                <a:shade val="20000"/>
-                <a:satMod val="255000"/>
-              </a:schemeClr>
-            </a:gs>
-          </a:gsLst>
-          <a:path path="circle">
-            <a:fillToRect l="50000" t="-80000" r="50000" b="180000"/>
-          </a:path>
-        </a:gradFill>
-        <a:gradFill rotWithShape="1">
-          <a:gsLst>
-            <a:gs pos="0">
-              <a:schemeClr val="phClr">
-                <a:tint val="80000"/>
-                <a:satMod val="300000"/>
-              </a:schemeClr>
-            </a:gs>
-            <a:gs pos="100000">
-              <a:schemeClr val="phClr">
-                <a:shade val="30000"/>
-                <a:satMod val="200000"/>
-              </a:schemeClr>
-            </a:gs>
-          </a:gsLst>
-          <a:path path="circle">
-            <a:fillToRect l="50000" t="50000" r="50000" b="50000"/>
-          </a:path>
-        </a:gradFill>
-      </a:bgFillStyleLst>
-    </a:fmtScheme>
-  </a:themeElements>
-</a:theme>
 </file>